--- a/Test/RepeatedKeywordsDifferentPresentations/Presentation2.pptx
+++ b/Test/RepeatedKeywordsDifferentPresentations/Presentation2.pptx
@@ -108,6 +108,11 @@
       </a:defRPr>
     </a:lvl9pPr>
   </p:defaultTextStyle>
+  <p:extLst>
+    <p:ext uri="{EFAFB233-063F-42B5-8137-9DF3F51BA10A}">
+      <p15:sldGuideLst xmlns:p15="http://schemas.microsoft.com/office/powerpoint/2012/main"/>
+    </p:ext>
+  </p:extLst>
 </p:presentation>
 </file>
 
@@ -193,7 +198,7 @@
           <a:p>
             <a:fld id="{DECD7AAC-3D9A-40B5-A8CE-8C8D3A4E7738}" type="datetimeFigureOut">
               <a:rPr lang="en-US" smtClean="0"/>
-              <a:t>8/22/2020</a:t>
+              <a:t>8/29/2020</a:t>
             </a:fld>
             <a:endParaRPr lang="en-US"/>
           </a:p>
@@ -504,10 +509,7 @@
           <a:bodyPr/>
           <a:lstStyle/>
           <a:p>
-            <a:r>
-              <a:rPr lang="en-US" dirty="0"/>
-              <a:t>Keyword3</a:t>
-            </a:r>
+            <a:endParaRPr lang="en-US" dirty="0"/>
           </a:p>
         </p:txBody>
       </p:sp>
@@ -781,7 +783,7 @@
           <a:p>
             <a:fld id="{0C071C5E-718E-4969-BDBC-828EA9FF63BD}" type="datetimeFigureOut">
               <a:rPr lang="en-US" smtClean="0"/>
-              <a:t>8/22/2020</a:t>
+              <a:t>8/29/2020</a:t>
             </a:fld>
             <a:endParaRPr lang="en-US"/>
           </a:p>
@@ -979,7 +981,7 @@
           <a:p>
             <a:fld id="{0C071C5E-718E-4969-BDBC-828EA9FF63BD}" type="datetimeFigureOut">
               <a:rPr lang="en-US" smtClean="0"/>
-              <a:t>8/22/2020</a:t>
+              <a:t>8/29/2020</a:t>
             </a:fld>
             <a:endParaRPr lang="en-US"/>
           </a:p>
@@ -1187,7 +1189,7 @@
           <a:p>
             <a:fld id="{0C071C5E-718E-4969-BDBC-828EA9FF63BD}" type="datetimeFigureOut">
               <a:rPr lang="en-US" smtClean="0"/>
-              <a:t>8/22/2020</a:t>
+              <a:t>8/29/2020</a:t>
             </a:fld>
             <a:endParaRPr lang="en-US"/>
           </a:p>
@@ -1385,7 +1387,7 @@
           <a:p>
             <a:fld id="{0C071C5E-718E-4969-BDBC-828EA9FF63BD}" type="datetimeFigureOut">
               <a:rPr lang="en-US" smtClean="0"/>
-              <a:t>8/22/2020</a:t>
+              <a:t>8/29/2020</a:t>
             </a:fld>
             <a:endParaRPr lang="en-US"/>
           </a:p>
@@ -1660,7 +1662,7 @@
           <a:p>
             <a:fld id="{0C071C5E-718E-4969-BDBC-828EA9FF63BD}" type="datetimeFigureOut">
               <a:rPr lang="en-US" smtClean="0"/>
-              <a:t>8/22/2020</a:t>
+              <a:t>8/29/2020</a:t>
             </a:fld>
             <a:endParaRPr lang="en-US"/>
           </a:p>
@@ -1925,7 +1927,7 @@
           <a:p>
             <a:fld id="{0C071C5E-718E-4969-BDBC-828EA9FF63BD}" type="datetimeFigureOut">
               <a:rPr lang="en-US" smtClean="0"/>
-              <a:t>8/22/2020</a:t>
+              <a:t>8/29/2020</a:t>
             </a:fld>
             <a:endParaRPr lang="en-US"/>
           </a:p>
@@ -2337,7 +2339,7 @@
           <a:p>
             <a:fld id="{0C071C5E-718E-4969-BDBC-828EA9FF63BD}" type="datetimeFigureOut">
               <a:rPr lang="en-US" smtClean="0"/>
-              <a:t>8/22/2020</a:t>
+              <a:t>8/29/2020</a:t>
             </a:fld>
             <a:endParaRPr lang="en-US"/>
           </a:p>
@@ -2478,7 +2480,7 @@
           <a:p>
             <a:fld id="{0C071C5E-718E-4969-BDBC-828EA9FF63BD}" type="datetimeFigureOut">
               <a:rPr lang="en-US" smtClean="0"/>
-              <a:t>8/22/2020</a:t>
+              <a:t>8/29/2020</a:t>
             </a:fld>
             <a:endParaRPr lang="en-US"/>
           </a:p>
@@ -2591,7 +2593,7 @@
           <a:p>
             <a:fld id="{0C071C5E-718E-4969-BDBC-828EA9FF63BD}" type="datetimeFigureOut">
               <a:rPr lang="en-US" smtClean="0"/>
-              <a:t>8/22/2020</a:t>
+              <a:t>8/29/2020</a:t>
             </a:fld>
             <a:endParaRPr lang="en-US"/>
           </a:p>
@@ -2902,7 +2904,7 @@
           <a:p>
             <a:fld id="{0C071C5E-718E-4969-BDBC-828EA9FF63BD}" type="datetimeFigureOut">
               <a:rPr lang="en-US" smtClean="0"/>
-              <a:t>8/22/2020</a:t>
+              <a:t>8/29/2020</a:t>
             </a:fld>
             <a:endParaRPr lang="en-US"/>
           </a:p>
@@ -3190,7 +3192,7 @@
           <a:p>
             <a:fld id="{0C071C5E-718E-4969-BDBC-828EA9FF63BD}" type="datetimeFigureOut">
               <a:rPr lang="en-US" smtClean="0"/>
-              <a:t>8/22/2020</a:t>
+              <a:t>8/29/2020</a:t>
             </a:fld>
             <a:endParaRPr lang="en-US"/>
           </a:p>
@@ -3431,7 +3433,7 @@
           <a:p>
             <a:fld id="{0C071C5E-718E-4969-BDBC-828EA9FF63BD}" type="datetimeFigureOut">
               <a:rPr lang="en-US" smtClean="0"/>
-              <a:t>8/22/2020</a:t>
+              <a:t>8/29/2020</a:t>
             </a:fld>
             <a:endParaRPr lang="en-US"/>
           </a:p>
@@ -3898,6 +3900,41 @@
           </a:p>
         </p:txBody>
       </p:sp>
+      <p:sp>
+        <p:nvSpPr>
+          <p:cNvPr id="4" name="TextBox 3">
+            <a:extLst>
+              <a:ext uri="{FF2B5EF4-FFF2-40B4-BE49-F238E27FC236}">
+                <a16:creationId xmlns:a16="http://schemas.microsoft.com/office/drawing/2014/main" id="{4CD93E87-339E-4E1C-9CB6-365351799DD2}"/>
+              </a:ext>
+            </a:extLst>
+          </p:cNvPr>
+          <p:cNvSpPr txBox="1"/>
+          <p:nvPr/>
+        </p:nvSpPr>
+        <p:spPr>
+          <a:xfrm>
+            <a:off x="3129699" y="5938887"/>
+            <a:ext cx="2144370" cy="369332"/>
+          </a:xfrm>
+          <a:prstGeom prst="rect">
+            <a:avLst/>
+          </a:prstGeom>
+          <a:noFill/>
+        </p:spPr>
+        <p:txBody>
+          <a:bodyPr wrap="none" rtlCol="0">
+            <a:spAutoFit/>
+          </a:bodyPr>
+          <a:lstStyle/>
+          <a:p>
+            <a:r>
+              <a:rPr lang="en-US" dirty="0"/>
+              <a:t>Keywords: Keyword3</a:t>
+            </a:r>
+          </a:p>
+        </p:txBody>
+      </p:sp>
     </p:spTree>
     <p:extLst>
       <p:ext uri="{BB962C8B-B14F-4D97-AF65-F5344CB8AC3E}">
@@ -3975,6 +4012,41 @@
           <a:lstStyle/>
           <a:p>
             <a:endParaRPr lang="en-US"/>
+          </a:p>
+        </p:txBody>
+      </p:sp>
+      <p:sp>
+        <p:nvSpPr>
+          <p:cNvPr id="4" name="TextBox 3">
+            <a:extLst>
+              <a:ext uri="{FF2B5EF4-FFF2-40B4-BE49-F238E27FC236}">
+                <a16:creationId xmlns:a16="http://schemas.microsoft.com/office/drawing/2014/main" id="{5D38A8F8-0AFD-4D8B-819E-0815029D2801}"/>
+              </a:ext>
+            </a:extLst>
+          </p:cNvPr>
+          <p:cNvSpPr txBox="1"/>
+          <p:nvPr/>
+        </p:nvSpPr>
+        <p:spPr>
+          <a:xfrm>
+            <a:off x="2441542" y="3883843"/>
+            <a:ext cx="2144370" cy="369332"/>
+          </a:xfrm>
+          <a:prstGeom prst="rect">
+            <a:avLst/>
+          </a:prstGeom>
+          <a:noFill/>
+        </p:spPr>
+        <p:txBody>
+          <a:bodyPr wrap="none" rtlCol="0">
+            <a:spAutoFit/>
+          </a:bodyPr>
+          <a:lstStyle/>
+          <a:p>
+            <a:r>
+              <a:rPr lang="en-US" dirty="0"/>
+              <a:t>Keywords: Keyword3</a:t>
+            </a:r>
           </a:p>
         </p:txBody>
       </p:sp>
